--- a/14.J2EE_JDBC.pptx
+++ b/14.J2EE_JDBC.pptx
@@ -197,6 +197,22 @@
       </a:defRPr>
     </a:lvl9pPr>
   </p:defaultTextStyle>
+  <p:extLst>
+    <p:ext uri="{EFAFB233-063F-42B5-8137-9DF3F51BA10A}">
+      <p15:sldGuideLst xmlns:p15="http://schemas.microsoft.com/office/powerpoint/2012/main">
+        <p15:guide id="1" orient="horz" pos="2160">
+          <p15:clr>
+            <a:srgbClr val="A4A3A4"/>
+          </p15:clr>
+        </p15:guide>
+        <p15:guide id="2" pos="2880">
+          <p15:clr>
+            <a:srgbClr val="A4A3A4"/>
+          </p15:clr>
+        </p15:guide>
+      </p15:sldGuideLst>
+    </p:ext>
+  </p:extLst>
 </p:presentation>
 </file>
 
@@ -307,7 +323,7 @@
               <a:pPr>
                 <a:defRPr/>
               </a:pPr>
-              <a:t>2/4/2013</a:t>
+              <a:t>6/14/2017</a:t>
             </a:fld>
             <a:endParaRPr lang="en-US"/>
           </a:p>
@@ -500,6 +516,11 @@
         </p:txBody>
       </p:sp>
     </p:spTree>
+    <p:extLst>
+      <p:ext uri="{BB962C8B-B14F-4D97-AF65-F5344CB8AC3E}">
+        <p14:creationId xmlns:p14="http://schemas.microsoft.com/office/powerpoint/2010/main" val="102793324"/>
+      </p:ext>
+    </p:extLst>
   </p:cSld>
   <p:clrMap bg1="lt1" tx1="dk1" bg2="lt2" tx2="dk2" accent1="accent1" accent2="accent2" accent3="accent3" accent4="accent4" accent5="accent5" accent6="accent6" hlink="hlink" folHlink="folHlink"/>
   <p:notesStyle>
@@ -709,6 +730,11 @@
         </p:txBody>
       </p:sp>
     </p:spTree>
+    <p:extLst>
+      <p:ext uri="{BB962C8B-B14F-4D97-AF65-F5344CB8AC3E}">
+        <p14:creationId xmlns:p14="http://schemas.microsoft.com/office/powerpoint/2010/main" val="309848374"/>
+      </p:ext>
+    </p:extLst>
   </p:cSld>
   <p:clrMapOvr>
     <a:masterClrMapping/>
@@ -925,6 +951,11 @@
         </p:txBody>
       </p:sp>
     </p:spTree>
+    <p:extLst>
+      <p:ext uri="{BB962C8B-B14F-4D97-AF65-F5344CB8AC3E}">
+        <p14:creationId xmlns:p14="http://schemas.microsoft.com/office/powerpoint/2010/main" val="2728482624"/>
+      </p:ext>
+    </p:extLst>
   </p:cSld>
   <p:clrMapOvr>
     <a:masterClrMapping/>
@@ -1141,6 +1172,11 @@
         </p:txBody>
       </p:sp>
     </p:spTree>
+    <p:extLst>
+      <p:ext uri="{BB962C8B-B14F-4D97-AF65-F5344CB8AC3E}">
+        <p14:creationId xmlns:p14="http://schemas.microsoft.com/office/powerpoint/2010/main" val="3554277037"/>
+      </p:ext>
+    </p:extLst>
   </p:cSld>
   <p:clrMapOvr>
     <a:masterClrMapping/>
@@ -1357,6 +1393,11 @@
         </p:txBody>
       </p:sp>
     </p:spTree>
+    <p:extLst>
+      <p:ext uri="{BB962C8B-B14F-4D97-AF65-F5344CB8AC3E}">
+        <p14:creationId xmlns:p14="http://schemas.microsoft.com/office/powerpoint/2010/main" val="1698363364"/>
+      </p:ext>
+    </p:extLst>
   </p:cSld>
   <p:clrMapOvr>
     <a:masterClrMapping/>
@@ -1573,6 +1614,11 @@
         </p:txBody>
       </p:sp>
     </p:spTree>
+    <p:extLst>
+      <p:ext uri="{BB962C8B-B14F-4D97-AF65-F5344CB8AC3E}">
+        <p14:creationId xmlns:p14="http://schemas.microsoft.com/office/powerpoint/2010/main" val="4271188049"/>
+      </p:ext>
+    </p:extLst>
   </p:cSld>
   <p:clrMapOvr>
     <a:masterClrMapping/>
@@ -1660,6 +1706,11 @@
         </p:txBody>
       </p:sp>
     </p:spTree>
+    <p:extLst>
+      <p:ext uri="{BB962C8B-B14F-4D97-AF65-F5344CB8AC3E}">
+        <p14:creationId xmlns:p14="http://schemas.microsoft.com/office/powerpoint/2010/main" val="648095114"/>
+      </p:ext>
+    </p:extLst>
   </p:cSld>
   <p:clrMapOvr>
     <a:masterClrMapping/>
@@ -1876,6 +1927,11 @@
         </p:txBody>
       </p:sp>
     </p:spTree>
+    <p:extLst>
+      <p:ext uri="{BB962C8B-B14F-4D97-AF65-F5344CB8AC3E}">
+        <p14:creationId xmlns:p14="http://schemas.microsoft.com/office/powerpoint/2010/main" val="423383436"/>
+      </p:ext>
+    </p:extLst>
   </p:cSld>
   <p:clrMapOvr>
     <a:masterClrMapping/>
@@ -2308,6 +2364,11 @@
         </p:spPr>
       </p:sp>
     </p:spTree>
+    <p:extLst>
+      <p:ext uri="{BB962C8B-B14F-4D97-AF65-F5344CB8AC3E}">
+        <p14:creationId xmlns:p14="http://schemas.microsoft.com/office/powerpoint/2010/main" val="4022678692"/>
+      </p:ext>
+    </p:extLst>
   </p:cSld>
   <p:clrMapOvr>
     <a:masterClrMapping/>
@@ -2524,6 +2585,11 @@
         </p:txBody>
       </p:sp>
     </p:spTree>
+    <p:extLst>
+      <p:ext uri="{BB962C8B-B14F-4D97-AF65-F5344CB8AC3E}">
+        <p14:creationId xmlns:p14="http://schemas.microsoft.com/office/powerpoint/2010/main" val="36194736"/>
+      </p:ext>
+    </p:extLst>
   </p:cSld>
   <p:clrMapOvr>
     <a:masterClrMapping/>
@@ -2740,6 +2806,11 @@
         </p:txBody>
       </p:sp>
     </p:spTree>
+    <p:extLst>
+      <p:ext uri="{BB962C8B-B14F-4D97-AF65-F5344CB8AC3E}">
+        <p14:creationId xmlns:p14="http://schemas.microsoft.com/office/powerpoint/2010/main" val="1577256087"/>
+      </p:ext>
+    </p:extLst>
   </p:cSld>
   <p:clrMapOvr>
     <a:masterClrMapping/>
@@ -2956,6 +3027,11 @@
         </p:txBody>
       </p:sp>
     </p:spTree>
+    <p:extLst>
+      <p:ext uri="{BB962C8B-B14F-4D97-AF65-F5344CB8AC3E}">
+        <p14:creationId xmlns:p14="http://schemas.microsoft.com/office/powerpoint/2010/main" val="3741802223"/>
+      </p:ext>
+    </p:extLst>
   </p:cSld>
   <p:clrMapOvr>
     <a:masterClrMapping/>
@@ -3262,6 +3338,11 @@
         </p:spPr>
       </p:sp>
     </p:spTree>
+    <p:extLst>
+      <p:ext uri="{BB962C8B-B14F-4D97-AF65-F5344CB8AC3E}">
+        <p14:creationId xmlns:p14="http://schemas.microsoft.com/office/powerpoint/2010/main" val="8093863"/>
+      </p:ext>
+    </p:extLst>
   </p:cSld>
   <p:clrMapOvr>
     <a:masterClrMapping/>
@@ -3690,6 +3771,11 @@
         </p:spPr>
       </p:sp>
     </p:spTree>
+    <p:extLst>
+      <p:ext uri="{BB962C8B-B14F-4D97-AF65-F5344CB8AC3E}">
+        <p14:creationId xmlns:p14="http://schemas.microsoft.com/office/powerpoint/2010/main" val="91704023"/>
+      </p:ext>
+    </p:extLst>
   </p:cSld>
   <p:clrMapOvr>
     <a:masterClrMapping/>
@@ -3906,6 +3992,11 @@
         </p:txBody>
       </p:sp>
     </p:spTree>
+    <p:extLst>
+      <p:ext uri="{BB962C8B-B14F-4D97-AF65-F5344CB8AC3E}">
+        <p14:creationId xmlns:p14="http://schemas.microsoft.com/office/powerpoint/2010/main" val="1892066573"/>
+      </p:ext>
+    </p:extLst>
   </p:cSld>
   <p:clrMapOvr>
     <a:masterClrMapping/>
@@ -4122,6 +4213,11 @@
         </p:txBody>
       </p:sp>
     </p:spTree>
+    <p:extLst>
+      <p:ext uri="{BB962C8B-B14F-4D97-AF65-F5344CB8AC3E}">
+        <p14:creationId xmlns:p14="http://schemas.microsoft.com/office/powerpoint/2010/main" val="3747003451"/>
+      </p:ext>
+    </p:extLst>
   </p:cSld>
   <p:clrMapOvr>
     <a:masterClrMapping/>
@@ -4338,6 +4434,11 @@
         </p:txBody>
       </p:sp>
     </p:spTree>
+    <p:extLst>
+      <p:ext uri="{BB962C8B-B14F-4D97-AF65-F5344CB8AC3E}">
+        <p14:creationId xmlns:p14="http://schemas.microsoft.com/office/powerpoint/2010/main" val="3974437409"/>
+      </p:ext>
+    </p:extLst>
   </p:cSld>
   <p:clrMapOvr>
     <a:masterClrMapping/>
@@ -4554,6 +4655,11 @@
         </p:txBody>
       </p:sp>
     </p:spTree>
+    <p:extLst>
+      <p:ext uri="{BB962C8B-B14F-4D97-AF65-F5344CB8AC3E}">
+        <p14:creationId xmlns:p14="http://schemas.microsoft.com/office/powerpoint/2010/main" val="2532544869"/>
+      </p:ext>
+    </p:extLst>
   </p:cSld>
   <p:clrMapOvr>
     <a:masterClrMapping/>
@@ -5038,6 +5144,11 @@
         </p:spPr>
       </p:sp>
     </p:spTree>
+    <p:extLst>
+      <p:ext uri="{BB962C8B-B14F-4D97-AF65-F5344CB8AC3E}">
+        <p14:creationId xmlns:p14="http://schemas.microsoft.com/office/powerpoint/2010/main" val="4194940946"/>
+      </p:ext>
+    </p:extLst>
   </p:cSld>
   <p:clrMapOvr>
     <a:masterClrMapping/>
@@ -5254,6 +5365,11 @@
         </p:txBody>
       </p:sp>
     </p:spTree>
+    <p:extLst>
+      <p:ext uri="{BB962C8B-B14F-4D97-AF65-F5344CB8AC3E}">
+        <p14:creationId xmlns:p14="http://schemas.microsoft.com/office/powerpoint/2010/main" val="4241626824"/>
+      </p:ext>
+    </p:extLst>
   </p:cSld>
   <p:clrMapOvr>
     <a:masterClrMapping/>
@@ -5590,6 +5706,11 @@
         </p:spPr>
       </p:sp>
     </p:spTree>
+    <p:extLst>
+      <p:ext uri="{BB962C8B-B14F-4D97-AF65-F5344CB8AC3E}">
+        <p14:creationId xmlns:p14="http://schemas.microsoft.com/office/powerpoint/2010/main" val="4142002144"/>
+      </p:ext>
+    </p:extLst>
   </p:cSld>
   <p:clrMapOvr>
     <a:masterClrMapping/>
@@ -6059,6 +6180,11 @@
         </p:spPr>
       </p:sp>
     </p:spTree>
+    <p:extLst>
+      <p:ext uri="{BB962C8B-B14F-4D97-AF65-F5344CB8AC3E}">
+        <p14:creationId xmlns:p14="http://schemas.microsoft.com/office/powerpoint/2010/main" val="3884154425"/>
+      </p:ext>
+    </p:extLst>
   </p:cSld>
   <p:clrMapOvr>
     <a:masterClrMapping/>
@@ -6620,6 +6746,11 @@
         </p:spPr>
       </p:sp>
     </p:spTree>
+    <p:extLst>
+      <p:ext uri="{BB962C8B-B14F-4D97-AF65-F5344CB8AC3E}">
+        <p14:creationId xmlns:p14="http://schemas.microsoft.com/office/powerpoint/2010/main" val="1416876891"/>
+      </p:ext>
+    </p:extLst>
   </p:cSld>
   <p:clrMapOvr>
     <a:masterClrMapping/>
@@ -7063,6 +7194,11 @@
         </p:spPr>
       </p:sp>
     </p:spTree>
+    <p:extLst>
+      <p:ext uri="{BB962C8B-B14F-4D97-AF65-F5344CB8AC3E}">
+        <p14:creationId xmlns:p14="http://schemas.microsoft.com/office/powerpoint/2010/main" val="1674016293"/>
+      </p:ext>
+    </p:extLst>
   </p:cSld>
   <p:clrMapOvr>
     <a:masterClrMapping/>
@@ -7634,6 +7770,11 @@
         </p:spPr>
       </p:sp>
     </p:spTree>
+    <p:extLst>
+      <p:ext uri="{BB962C8B-B14F-4D97-AF65-F5344CB8AC3E}">
+        <p14:creationId xmlns:p14="http://schemas.microsoft.com/office/powerpoint/2010/main" val="1591576201"/>
+      </p:ext>
+    </p:extLst>
   </p:cSld>
   <p:clrMapOvr>
     <a:masterClrMapping/>
@@ -7926,6 +8067,11 @@
         </p:spPr>
       </p:sp>
     </p:spTree>
+    <p:extLst>
+      <p:ext uri="{BB962C8B-B14F-4D97-AF65-F5344CB8AC3E}">
+        <p14:creationId xmlns:p14="http://schemas.microsoft.com/office/powerpoint/2010/main" val="3970267225"/>
+      </p:ext>
+    </p:extLst>
   </p:cSld>
   <p:clrMapOvr>
     <a:masterClrMapping/>
@@ -8369,6 +8515,11 @@
         </p:spPr>
       </p:sp>
     </p:spTree>
+    <p:extLst>
+      <p:ext uri="{BB962C8B-B14F-4D97-AF65-F5344CB8AC3E}">
+        <p14:creationId xmlns:p14="http://schemas.microsoft.com/office/powerpoint/2010/main" val="2622915518"/>
+      </p:ext>
+    </p:extLst>
   </p:cSld>
   <p:clrMapOvr>
     <a:masterClrMapping/>
@@ -8847,6 +8998,11 @@
         </p:spPr>
       </p:sp>
     </p:spTree>
+    <p:extLst>
+      <p:ext uri="{BB962C8B-B14F-4D97-AF65-F5344CB8AC3E}">
+        <p14:creationId xmlns:p14="http://schemas.microsoft.com/office/powerpoint/2010/main" val="4192777057"/>
+      </p:ext>
+    </p:extLst>
   </p:cSld>
   <p:clrMapOvr>
     <a:masterClrMapping/>
@@ -9100,6 +9256,7 @@
             <a:prstTxWarp prst="textNoShape">
               <a:avLst/>
             </a:prstTxWarp>
+            <a:normAutofit lnSpcReduction="10000"/>
           </a:bodyPr>
           <a:lstStyle/>
           <a:p>
@@ -9370,6 +9527,11 @@
         </p:spPr>
       </p:sp>
     </p:spTree>
+    <p:extLst>
+      <p:ext uri="{BB962C8B-B14F-4D97-AF65-F5344CB8AC3E}">
+        <p14:creationId xmlns:p14="http://schemas.microsoft.com/office/powerpoint/2010/main" val="874966093"/>
+      </p:ext>
+    </p:extLst>
   </p:cSld>
   <p:clrMapOvr>
     <a:masterClrMapping/>
@@ -9882,6 +10044,11 @@
         </p:spPr>
       </p:sp>
     </p:spTree>
+    <p:extLst>
+      <p:ext uri="{BB962C8B-B14F-4D97-AF65-F5344CB8AC3E}">
+        <p14:creationId xmlns:p14="http://schemas.microsoft.com/office/powerpoint/2010/main" val="691576200"/>
+      </p:ext>
+    </p:extLst>
   </p:cSld>
   <p:clrMapOvr>
     <a:masterClrMapping/>
@@ -10259,6 +10426,11 @@
         </p:spPr>
       </p:sp>
     </p:spTree>
+    <p:extLst>
+      <p:ext uri="{BB962C8B-B14F-4D97-AF65-F5344CB8AC3E}">
+        <p14:creationId xmlns:p14="http://schemas.microsoft.com/office/powerpoint/2010/main" val="1414430770"/>
+      </p:ext>
+    </p:extLst>
   </p:cSld>
   <p:clrMapOvr>
     <a:masterClrMapping/>
@@ -10470,6 +10642,7 @@
             <a:prstTxWarp prst="textNoShape">
               <a:avLst/>
             </a:prstTxWarp>
+            <a:normAutofit fontScale="92500"/>
           </a:bodyPr>
           <a:lstStyle/>
           <a:p>
@@ -10754,6 +10927,11 @@
         </p:txBody>
       </p:sp>
     </p:spTree>
+    <p:extLst>
+      <p:ext uri="{BB962C8B-B14F-4D97-AF65-F5344CB8AC3E}">
+        <p14:creationId xmlns:p14="http://schemas.microsoft.com/office/powerpoint/2010/main" val="2965611675"/>
+      </p:ext>
+    </p:extLst>
   </p:cSld>
   <p:clrMapOvr>
     <a:masterClrMapping/>
@@ -11054,6 +11232,11 @@
         </p:txBody>
       </p:sp>
     </p:spTree>
+    <p:extLst>
+      <p:ext uri="{BB962C8B-B14F-4D97-AF65-F5344CB8AC3E}">
+        <p14:creationId xmlns:p14="http://schemas.microsoft.com/office/powerpoint/2010/main" val="3364923714"/>
+      </p:ext>
+    </p:extLst>
   </p:cSld>
   <p:clrMapOvr>
     <a:masterClrMapping/>
@@ -11871,6 +12054,11 @@
         </p:spPr>
       </p:sp>
     </p:spTree>
+    <p:extLst>
+      <p:ext uri="{BB962C8B-B14F-4D97-AF65-F5344CB8AC3E}">
+        <p14:creationId xmlns:p14="http://schemas.microsoft.com/office/powerpoint/2010/main" val="1191700016"/>
+      </p:ext>
+    </p:extLst>
   </p:cSld>
   <p:clrMapOvr>
     <a:masterClrMapping/>
@@ -12087,6 +12275,11 @@
         </p:txBody>
       </p:sp>
     </p:spTree>
+    <p:extLst>
+      <p:ext uri="{BB962C8B-B14F-4D97-AF65-F5344CB8AC3E}">
+        <p14:creationId xmlns:p14="http://schemas.microsoft.com/office/powerpoint/2010/main" val="1643834797"/>
+      </p:ext>
+    </p:extLst>
   </p:cSld>
   <p:clrMapOvr>
     <a:masterClrMapping/>
@@ -12379,6 +12572,11 @@
         </p:spPr>
       </p:sp>
     </p:spTree>
+    <p:extLst>
+      <p:ext uri="{BB962C8B-B14F-4D97-AF65-F5344CB8AC3E}">
+        <p14:creationId xmlns:p14="http://schemas.microsoft.com/office/powerpoint/2010/main" val="1493506459"/>
+      </p:ext>
+    </p:extLst>
   </p:cSld>
   <p:clrMapOvr>
     <a:masterClrMapping/>
@@ -12583,6 +12781,11 @@
         </p:txBody>
       </p:sp>
     </p:spTree>
+    <p:extLst>
+      <p:ext uri="{BB962C8B-B14F-4D97-AF65-F5344CB8AC3E}">
+        <p14:creationId xmlns:p14="http://schemas.microsoft.com/office/powerpoint/2010/main" val="1875800531"/>
+      </p:ext>
+    </p:extLst>
   </p:cSld>
   <p:clrMapOvr>
     <a:masterClrMapping/>
@@ -12807,6 +13010,11 @@
         </p:txBody>
       </p:sp>
     </p:spTree>
+    <p:extLst>
+      <p:ext uri="{BB962C8B-B14F-4D97-AF65-F5344CB8AC3E}">
+        <p14:creationId xmlns:p14="http://schemas.microsoft.com/office/powerpoint/2010/main" val="2868976823"/>
+      </p:ext>
+    </p:extLst>
   </p:cSld>
   <p:clrMapOvr>
     <a:masterClrMapping/>
@@ -12943,6 +13151,11 @@
         </p:txBody>
       </p:sp>
     </p:spTree>
+    <p:extLst>
+      <p:ext uri="{BB962C8B-B14F-4D97-AF65-F5344CB8AC3E}">
+        <p14:creationId xmlns:p14="http://schemas.microsoft.com/office/powerpoint/2010/main" val="2547117523"/>
+      </p:ext>
+    </p:extLst>
   </p:cSld>
   <p:clrMapOvr>
     <a:masterClrMapping/>
@@ -13079,6 +13292,11 @@
         </p:txBody>
       </p:sp>
     </p:spTree>
+    <p:extLst>
+      <p:ext uri="{BB962C8B-B14F-4D97-AF65-F5344CB8AC3E}">
+        <p14:creationId xmlns:p14="http://schemas.microsoft.com/office/powerpoint/2010/main" val="4030946384"/>
+      </p:ext>
+    </p:extLst>
   </p:cSld>
   <p:clrMapOvr>
     <a:masterClrMapping/>
@@ -13306,6 +13524,11 @@
         </p:txBody>
       </p:sp>
     </p:spTree>
+    <p:extLst>
+      <p:ext uri="{BB962C8B-B14F-4D97-AF65-F5344CB8AC3E}">
+        <p14:creationId xmlns:p14="http://schemas.microsoft.com/office/powerpoint/2010/main" val="238348253"/>
+      </p:ext>
+    </p:extLst>
   </p:cSld>
   <p:clrMapOvr>
     <a:masterClrMapping/>
@@ -13449,6 +13672,11 @@
         </p:txBody>
       </p:sp>
     </p:spTree>
+    <p:extLst>
+      <p:ext uri="{BB962C8B-B14F-4D97-AF65-F5344CB8AC3E}">
+        <p14:creationId xmlns:p14="http://schemas.microsoft.com/office/powerpoint/2010/main" val="1156311430"/>
+      </p:ext>
+    </p:extLst>
   </p:cSld>
   <p:clrMapOvr>
     <a:masterClrMapping/>
@@ -13577,6 +13805,11 @@
         </p:txBody>
       </p:sp>
     </p:spTree>
+    <p:extLst>
+      <p:ext uri="{BB962C8B-B14F-4D97-AF65-F5344CB8AC3E}">
+        <p14:creationId xmlns:p14="http://schemas.microsoft.com/office/powerpoint/2010/main" val="2504617840"/>
+      </p:ext>
+    </p:extLst>
   </p:cSld>
   <p:clrMapOvr>
     <a:masterClrMapping/>
@@ -13802,6 +14035,11 @@
         </p:txBody>
       </p:sp>
     </p:spTree>
+    <p:extLst>
+      <p:ext uri="{BB962C8B-B14F-4D97-AF65-F5344CB8AC3E}">
+        <p14:creationId xmlns:p14="http://schemas.microsoft.com/office/powerpoint/2010/main" val="589200847"/>
+      </p:ext>
+    </p:extLst>
   </p:cSld>
   <p:clrMapOvr>
     <a:masterClrMapping/>
@@ -14022,6 +14260,11 @@
         </p:txBody>
       </p:sp>
     </p:spTree>
+    <p:extLst>
+      <p:ext uri="{BB962C8B-B14F-4D97-AF65-F5344CB8AC3E}">
+        <p14:creationId xmlns:p14="http://schemas.microsoft.com/office/powerpoint/2010/main" val="75462041"/>
+      </p:ext>
+    </p:extLst>
   </p:cSld>
   <p:clrMapOvr>
     <a:masterClrMapping/>
@@ -14238,6 +14481,11 @@
         </p:txBody>
       </p:sp>
     </p:spTree>
+    <p:extLst>
+      <p:ext uri="{BB962C8B-B14F-4D97-AF65-F5344CB8AC3E}">
+        <p14:creationId xmlns:p14="http://schemas.microsoft.com/office/powerpoint/2010/main" val="3640694784"/>
+      </p:ext>
+    </p:extLst>
   </p:cSld>
   <p:clrMapOvr>
     <a:masterClrMapping/>
@@ -14392,6 +14640,11 @@
         </p:txBody>
       </p:sp>
     </p:spTree>
+    <p:extLst>
+      <p:ext uri="{BB962C8B-B14F-4D97-AF65-F5344CB8AC3E}">
+        <p14:creationId xmlns:p14="http://schemas.microsoft.com/office/powerpoint/2010/main" val="1649860390"/>
+      </p:ext>
+    </p:extLst>
   </p:cSld>
   <p:clrMapOvr>
     <a:masterClrMapping/>
@@ -14603,6 +14856,11 @@
         </p:txBody>
       </p:sp>
     </p:spTree>
+    <p:extLst>
+      <p:ext uri="{BB962C8B-B14F-4D97-AF65-F5344CB8AC3E}">
+        <p14:creationId xmlns:p14="http://schemas.microsoft.com/office/powerpoint/2010/main" val="1528478004"/>
+      </p:ext>
+    </p:extLst>
   </p:cSld>
   <p:clrMapOvr>
     <a:masterClrMapping/>
@@ -14731,6 +14989,11 @@
         </p:txBody>
       </p:sp>
     </p:spTree>
+    <p:extLst>
+      <p:ext uri="{BB962C8B-B14F-4D97-AF65-F5344CB8AC3E}">
+        <p14:creationId xmlns:p14="http://schemas.microsoft.com/office/powerpoint/2010/main" val="3759968511"/>
+      </p:ext>
+    </p:extLst>
   </p:cSld>
   <p:clrMapOvr>
     <a:masterClrMapping/>
@@ -14859,6 +15122,11 @@
         </p:txBody>
       </p:sp>
     </p:spTree>
+    <p:extLst>
+      <p:ext uri="{BB962C8B-B14F-4D97-AF65-F5344CB8AC3E}">
+        <p14:creationId xmlns:p14="http://schemas.microsoft.com/office/powerpoint/2010/main" val="1278700849"/>
+      </p:ext>
+    </p:extLst>
   </p:cSld>
   <p:clrMapOvr>
     <a:masterClrMapping/>
@@ -14987,6 +15255,11 @@
         </p:txBody>
       </p:sp>
     </p:spTree>
+    <p:extLst>
+      <p:ext uri="{BB962C8B-B14F-4D97-AF65-F5344CB8AC3E}">
+        <p14:creationId xmlns:p14="http://schemas.microsoft.com/office/powerpoint/2010/main" val="3401997074"/>
+      </p:ext>
+    </p:extLst>
   </p:cSld>
   <p:clrMapOvr>
     <a:masterClrMapping/>
@@ -15133,6 +15406,11 @@
         </p:txBody>
       </p:sp>
     </p:spTree>
+    <p:extLst>
+      <p:ext uri="{BB962C8B-B14F-4D97-AF65-F5344CB8AC3E}">
+        <p14:creationId xmlns:p14="http://schemas.microsoft.com/office/powerpoint/2010/main" val="803486203"/>
+      </p:ext>
+    </p:extLst>
   </p:cSld>
   <p:clrMapOvr>
     <a:masterClrMapping/>
@@ -15290,6 +15568,11 @@
         </p:txBody>
       </p:sp>
     </p:spTree>
+    <p:extLst>
+      <p:ext uri="{BB962C8B-B14F-4D97-AF65-F5344CB8AC3E}">
+        <p14:creationId xmlns:p14="http://schemas.microsoft.com/office/powerpoint/2010/main" val="4220841532"/>
+      </p:ext>
+    </p:extLst>
   </p:cSld>
   <p:clrMapOvr>
     <a:masterClrMapping/>
@@ -15418,6 +15701,11 @@
         </p:txBody>
       </p:sp>
     </p:spTree>
+    <p:extLst>
+      <p:ext uri="{BB962C8B-B14F-4D97-AF65-F5344CB8AC3E}">
+        <p14:creationId xmlns:p14="http://schemas.microsoft.com/office/powerpoint/2010/main" val="3387974255"/>
+      </p:ext>
+    </p:extLst>
   </p:cSld>
   <p:clrMapOvr>
     <a:masterClrMapping/>
@@ -15942,6 +16230,11 @@
         </p:txBody>
       </p:sp>
     </p:spTree>
+    <p:extLst>
+      <p:ext uri="{BB962C8B-B14F-4D97-AF65-F5344CB8AC3E}">
+        <p14:creationId xmlns:p14="http://schemas.microsoft.com/office/powerpoint/2010/main" val="274663233"/>
+      </p:ext>
+    </p:extLst>
   </p:cSld>
   <p:clrMapOvr>
     <a:masterClrMapping/>
@@ -16140,6 +16433,11 @@
         </p:txBody>
       </p:sp>
     </p:spTree>
+    <p:extLst>
+      <p:ext uri="{BB962C8B-B14F-4D97-AF65-F5344CB8AC3E}">
+        <p14:creationId xmlns:p14="http://schemas.microsoft.com/office/powerpoint/2010/main" val="2163550948"/>
+      </p:ext>
+    </p:extLst>
   </p:cSld>
   <p:clrMapOvr>
     <a:masterClrMapping/>
@@ -16356,6 +16654,11 @@
         </p:txBody>
       </p:sp>
     </p:spTree>
+    <p:extLst>
+      <p:ext uri="{BB962C8B-B14F-4D97-AF65-F5344CB8AC3E}">
+        <p14:creationId xmlns:p14="http://schemas.microsoft.com/office/powerpoint/2010/main" val="1901390402"/>
+      </p:ext>
+    </p:extLst>
   </p:cSld>
   <p:clrMapOvr>
     <a:masterClrMapping/>
@@ -16586,6 +16889,11 @@
         </p:txBody>
       </p:sp>
     </p:spTree>
+    <p:extLst>
+      <p:ext uri="{BB962C8B-B14F-4D97-AF65-F5344CB8AC3E}">
+        <p14:creationId xmlns:p14="http://schemas.microsoft.com/office/powerpoint/2010/main" val="1896524780"/>
+      </p:ext>
+    </p:extLst>
   </p:cSld>
   <p:clrMapOvr>
     <a:masterClrMapping/>
@@ -16714,6 +17022,11 @@
         </p:txBody>
       </p:sp>
     </p:spTree>
+    <p:extLst>
+      <p:ext uri="{BB962C8B-B14F-4D97-AF65-F5344CB8AC3E}">
+        <p14:creationId xmlns:p14="http://schemas.microsoft.com/office/powerpoint/2010/main" val="2676532081"/>
+      </p:ext>
+    </p:extLst>
   </p:cSld>
   <p:clrMapOvr>
     <a:masterClrMapping/>
@@ -16930,6 +17243,11 @@
         </p:txBody>
       </p:sp>
     </p:spTree>
+    <p:extLst>
+      <p:ext uri="{BB962C8B-B14F-4D97-AF65-F5344CB8AC3E}">
+        <p14:creationId xmlns:p14="http://schemas.microsoft.com/office/powerpoint/2010/main" val="3958314820"/>
+      </p:ext>
+    </p:extLst>
   </p:cSld>
   <p:clrMapOvr>
     <a:masterClrMapping/>
@@ -17146,6 +17464,11 @@
         </p:txBody>
       </p:sp>
     </p:spTree>
+    <p:extLst>
+      <p:ext uri="{BB962C8B-B14F-4D97-AF65-F5344CB8AC3E}">
+        <p14:creationId xmlns:p14="http://schemas.microsoft.com/office/powerpoint/2010/main" val="171725125"/>
+      </p:ext>
+    </p:extLst>
   </p:cSld>
   <p:clrMapOvr>
     <a:masterClrMapping/>
@@ -17362,6 +17685,11 @@
         </p:txBody>
       </p:sp>
     </p:spTree>
+    <p:extLst>
+      <p:ext uri="{BB962C8B-B14F-4D97-AF65-F5344CB8AC3E}">
+        <p14:creationId xmlns:p14="http://schemas.microsoft.com/office/powerpoint/2010/main" val="2716481362"/>
+      </p:ext>
+    </p:extLst>
   </p:cSld>
   <p:clrMapOvr>
     <a:masterClrMapping/>
@@ -20329,9 +20657,82 @@
         </p:xfrm>
         <a:graphic>
           <a:graphicData uri="http://schemas.openxmlformats.org/presentationml/2006/ole">
-            <p:oleObj spid="_x0000_s5122" name="Picture" r:id="rId4" imgW="5614679" imgH="2299503" progId="Word.Picture.8">
-              <p:embed/>
-            </p:oleObj>
+            <mc:AlternateContent xmlns:mc="http://schemas.openxmlformats.org/markup-compatibility/2006">
+              <mc:Choice xmlns:v="urn:schemas-microsoft-com:vml" Requires="v">
+                <p:oleObj spid="_x0000_s5124" name="Picture" r:id="rId4" imgW="5614679" imgH="2299503" progId="Word.Picture.8">
+                  <p:embed/>
+                </p:oleObj>
+              </mc:Choice>
+              <mc:Fallback>
+                <p:oleObj name="Picture" r:id="rId4" imgW="5614679" imgH="2299503" progId="Word.Picture.8">
+                  <p:embed/>
+                  <p:pic>
+                    <p:nvPicPr>
+                      <p:cNvPr id="0" name="Object 2"/>
+                      <p:cNvPicPr>
+                        <a:picLocks noChangeAspect="1" noChangeArrowheads="1"/>
+                      </p:cNvPicPr>
+                      <p:nvPr/>
+                    </p:nvPicPr>
+                    <p:blipFill>
+                      <a:blip r:embed="rId5">
+                        <a:extLst>
+                          <a:ext uri="{28A0092B-C50C-407E-A947-70E740481C1C}">
+                            <a14:useLocalDpi xmlns:a14="http://schemas.microsoft.com/office/drawing/2010/main" val="0"/>
+                          </a:ext>
+                        </a:extLst>
+                      </a:blip>
+                      <a:srcRect/>
+                      <a:stretch>
+                        <a:fillRect/>
+                      </a:stretch>
+                    </p:blipFill>
+                    <p:spPr bwMode="auto">
+                      <a:xfrm>
+                        <a:off x="762000" y="2747963"/>
+                        <a:ext cx="7772400" cy="3348037"/>
+                      </a:xfrm>
+                      <a:prstGeom prst="rect">
+                        <a:avLst/>
+                      </a:prstGeom>
+                      <a:noFill/>
+                      <a:ln>
+                        <a:noFill/>
+                      </a:ln>
+                      <a:effectLst/>
+                      <a:extLst>
+                        <a:ext uri="{909E8E84-426E-40DD-AFC4-6F175D3DCCD1}">
+                          <a14:hiddenFill xmlns:a14="http://schemas.microsoft.com/office/drawing/2010/main">
+                            <a:solidFill>
+                              <a:schemeClr val="accent1"/>
+                            </a:solidFill>
+                          </a14:hiddenFill>
+                        </a:ext>
+                        <a:ext uri="{91240B29-F687-4F45-9708-019B960494DF}">
+                          <a14:hiddenLine xmlns:a14="http://schemas.microsoft.com/office/drawing/2010/main" w="9525">
+                            <a:solidFill>
+                              <a:schemeClr val="tx1"/>
+                            </a:solidFill>
+                            <a:miter lim="800000"/>
+                            <a:headEnd/>
+                            <a:tailEnd/>
+                          </a14:hiddenLine>
+                        </a:ext>
+                        <a:ext uri="{AF507438-7753-43E0-B8FC-AC1667EBCBE1}">
+                          <a14:hiddenEffects xmlns:a14="http://schemas.microsoft.com/office/drawing/2010/main">
+                            <a:effectLst>
+                              <a:outerShdw dist="35921" dir="2700000" algn="ctr" rotWithShape="0">
+                                <a:schemeClr val="bg2"/>
+                              </a:outerShdw>
+                            </a:effectLst>
+                          </a14:hiddenEffects>
+                        </a:ext>
+                      </a:extLst>
+                    </p:spPr>
+                  </p:pic>
+                </p:oleObj>
+              </mc:Fallback>
+            </mc:AlternateContent>
           </a:graphicData>
         </a:graphic>
       </p:graphicFrame>
@@ -25176,7 +25577,7 @@
         </p:nvSpPr>
         <p:spPr bwMode="blackWhite">
           <a:xfrm>
-            <a:off x="2070100" y="2263775"/>
+            <a:off x="2133600" y="2083594"/>
             <a:ext cx="3644900" cy="444500"/>
           </a:xfrm>
           <a:prstGeom prst="rect">
@@ -35084,7 +35485,7 @@
               <a:buNone/>
             </a:pPr>
             <a:r>
-              <a:rPr lang="en-US" smtClean="0"/>
+              <a:rPr lang="en-US" dirty="0" smtClean="0"/>
               <a:t>1.	Register the driver and create the database connection.</a:t>
             </a:r>
           </a:p>
@@ -35094,17 +35495,17 @@
               <a:buNone/>
             </a:pPr>
             <a:r>
-              <a:rPr lang="en-US" smtClean="0"/>
+              <a:rPr lang="en-US" dirty="0" smtClean="0"/>
               <a:t>2.	Create the prepared statement, identifying variables with a question mark (</a:t>
             </a:r>
             <a:r>
-              <a:rPr lang="en-US" smtClean="0">
+              <a:rPr lang="en-US" dirty="0" smtClean="0">
                 <a:latin typeface="Courier New" pitchFamily="49" charset="0"/>
               </a:rPr>
               <a:t>?</a:t>
             </a:r>
             <a:r>
-              <a:rPr lang="en-US" smtClean="0"/>
+              <a:rPr lang="en-US" dirty="0" smtClean="0"/>
               <a:t>). </a:t>
             </a:r>
           </a:p>
@@ -35143,29 +35544,74 @@
           <a:lstStyle/>
           <a:p>
             <a:r>
-              <a:rPr lang="en-US" b="1">
+              <a:rPr lang="en-US" b="1" dirty="0" err="1">
                 <a:solidFill>
                   <a:schemeClr val="bg2"/>
                 </a:solidFill>
                 <a:latin typeface="Courier New" pitchFamily="49" charset="0"/>
               </a:rPr>
-              <a:t>PreparedStatement pstmt =</a:t>
-            </a:r>
-          </a:p>
-          <a:p>
-            <a:r>
-              <a:rPr lang="en-US" b="1">
+              <a:t>PreparedStatement</a:t>
+            </a:r>
+            <a:r>
+              <a:rPr lang="en-US" b="1" dirty="0">
                 <a:solidFill>
                   <a:schemeClr val="bg2"/>
                 </a:solidFill>
                 <a:latin typeface="Courier New" pitchFamily="49" charset="0"/>
               </a:rPr>
-              <a:t>  conn.prepareStatement("update ACME_RENTALS</a:t>
-            </a:r>
-          </a:p>
-          <a:p>
-            <a:r>
-              <a:rPr lang="en-US" b="1">
+              <a:t> </a:t>
+            </a:r>
+            <a:r>
+              <a:rPr lang="en-US" b="1" dirty="0" err="1">
+                <a:solidFill>
+                  <a:schemeClr val="bg2"/>
+                </a:solidFill>
+                <a:latin typeface="Courier New" pitchFamily="49" charset="0"/>
+              </a:rPr>
+              <a:t>pstmt</a:t>
+            </a:r>
+            <a:r>
+              <a:rPr lang="en-US" b="1" dirty="0">
+                <a:solidFill>
+                  <a:schemeClr val="bg2"/>
+                </a:solidFill>
+                <a:latin typeface="Courier New" pitchFamily="49" charset="0"/>
+              </a:rPr>
+              <a:t> =</a:t>
+            </a:r>
+          </a:p>
+          <a:p>
+            <a:r>
+              <a:rPr lang="en-US" b="1" dirty="0">
+                <a:solidFill>
+                  <a:schemeClr val="bg2"/>
+                </a:solidFill>
+                <a:latin typeface="Courier New" pitchFamily="49" charset="0"/>
+              </a:rPr>
+              <a:t>  </a:t>
+            </a:r>
+            <a:r>
+              <a:rPr lang="en-US" b="1" dirty="0" err="1">
+                <a:solidFill>
+                  <a:schemeClr val="bg2"/>
+                </a:solidFill>
+                <a:latin typeface="Courier New" pitchFamily="49" charset="0"/>
+              </a:rPr>
+              <a:t>conn.prepareStatement</a:t>
+            </a:r>
+            <a:r>
+              <a:rPr lang="en-US" b="1" dirty="0">
+                <a:solidFill>
+                  <a:schemeClr val="bg2"/>
+                </a:solidFill>
+                <a:latin typeface="Courier New" pitchFamily="49" charset="0"/>
+              </a:rPr>
+              <a:t>("update ACME_RENTALS</a:t>
+            </a:r>
+          </a:p>
+          <a:p>
+            <a:r>
+              <a:rPr lang="en-US" b="1" dirty="0">
                 <a:solidFill>
                   <a:schemeClr val="bg2"/>
                 </a:solidFill>
@@ -35209,35 +35655,80 @@
           <a:lstStyle/>
           <a:p>
             <a:r>
-              <a:rPr lang="en-US" b="1">
+              <a:rPr lang="en-US" b="1" dirty="0" err="1">
                 <a:solidFill>
                   <a:schemeClr val="bg2"/>
                 </a:solidFill>
                 <a:latin typeface="Courier New" pitchFamily="49" charset="0"/>
               </a:rPr>
-              <a:t>PreparedStatement pstmt =</a:t>
-            </a:r>
-          </a:p>
-          <a:p>
-            <a:r>
-              <a:rPr lang="en-US" b="1">
+              <a:t>PreparedStatement</a:t>
+            </a:r>
+            <a:r>
+              <a:rPr lang="en-US" b="1" dirty="0">
                 <a:solidFill>
                   <a:schemeClr val="bg2"/>
                 </a:solidFill>
                 <a:latin typeface="Courier New" pitchFamily="49" charset="0"/>
               </a:rPr>
-              <a:t>  conn.prepareStatement("select STATUS from </a:t>
-            </a:r>
-            <a:br>
-              <a:rPr lang="en-US" b="1">
+              <a:t> </a:t>
+            </a:r>
+            <a:r>
+              <a:rPr lang="en-US" b="1" dirty="0" err="1">
                 <a:solidFill>
                   <a:schemeClr val="bg2"/>
                 </a:solidFill>
                 <a:latin typeface="Courier New" pitchFamily="49" charset="0"/>
               </a:rPr>
+              <a:t>pstmt</a:t>
+            </a:r>
+            <a:r>
+              <a:rPr lang="en-US" b="1" dirty="0">
+                <a:solidFill>
+                  <a:schemeClr val="bg2"/>
+                </a:solidFill>
+                <a:latin typeface="Courier New" pitchFamily="49" charset="0"/>
+              </a:rPr>
+              <a:t> =</a:t>
+            </a:r>
+          </a:p>
+          <a:p>
+            <a:r>
+              <a:rPr lang="en-US" b="1" dirty="0">
+                <a:solidFill>
+                  <a:schemeClr val="bg2"/>
+                </a:solidFill>
+                <a:latin typeface="Courier New" pitchFamily="49" charset="0"/>
+              </a:rPr>
+              <a:t>  </a:t>
+            </a:r>
+            <a:r>
+              <a:rPr lang="en-US" b="1" dirty="0" err="1">
+                <a:solidFill>
+                  <a:schemeClr val="bg2"/>
+                </a:solidFill>
+                <a:latin typeface="Courier New" pitchFamily="49" charset="0"/>
+              </a:rPr>
+              <a:t>conn.prepareStatement</a:t>
+            </a:r>
+            <a:r>
+              <a:rPr lang="en-US" b="1" dirty="0">
+                <a:solidFill>
+                  <a:schemeClr val="bg2"/>
+                </a:solidFill>
+                <a:latin typeface="Courier New" pitchFamily="49" charset="0"/>
+              </a:rPr>
+              <a:t>("select STATUS from </a:t>
+            </a:r>
+            <a:br>
+              <a:rPr lang="en-US" b="1" dirty="0">
+                <a:solidFill>
+                  <a:schemeClr val="bg2"/>
+                </a:solidFill>
+                <a:latin typeface="Courier New" pitchFamily="49" charset="0"/>
+              </a:rPr>
             </a:br>
             <a:r>
-              <a:rPr lang="en-US" b="1">
+              <a:rPr lang="en-US" b="1" dirty="0">
                 <a:solidFill>
                   <a:schemeClr val="bg2"/>
                 </a:solidFill>
@@ -35326,7 +35817,7 @@
               <a:buNone/>
             </a:pPr>
             <a:r>
-              <a:rPr lang="en-US" smtClean="0"/>
+              <a:rPr lang="en-US" dirty="0" smtClean="0"/>
               <a:t>1. 	Supply values for the variables.</a:t>
             </a:r>
           </a:p>
@@ -35339,7 +35830,7 @@
               <a:buNone/>
             </a:pPr>
             <a:r>
-              <a:rPr lang="en-US" smtClean="0"/>
+              <a:rPr lang="en-US" dirty="0" smtClean="0"/>
               <a:t>2. 	Execute the statement.</a:t>
             </a:r>
           </a:p>
@@ -35385,7 +35876,7 @@
               </a:lnSpc>
             </a:pPr>
             <a:r>
-              <a:rPr lang="en-US" b="1" i="1">
+              <a:rPr lang="en-US" b="1" i="1" dirty="0" err="1">
                 <a:solidFill>
                   <a:srgbClr val="000000"/>
                 </a:solidFill>
@@ -35394,7 +35885,7 @@
               <a:t>pstmt</a:t>
             </a:r>
             <a:r>
-              <a:rPr lang="en-US" b="1">
+              <a:rPr lang="en-US" b="1" dirty="0" err="1">
                 <a:solidFill>
                   <a:srgbClr val="000000"/>
                 </a:solidFill>
@@ -35403,7 +35894,7 @@
               <a:t>.set</a:t>
             </a:r>
             <a:r>
-              <a:rPr lang="en-US" b="1" i="1">
+              <a:rPr lang="en-US" b="1" i="1" dirty="0" err="1">
                 <a:solidFill>
                   <a:srgbClr val="000000"/>
                 </a:solidFill>
@@ -35412,7 +35903,7 @@
               <a:t>XXX</a:t>
             </a:r>
             <a:r>
-              <a:rPr lang="en-US" b="1">
+              <a:rPr lang="en-US" b="1" dirty="0">
                 <a:solidFill>
                   <a:srgbClr val="000000"/>
                 </a:solidFill>
@@ -35421,7 +35912,7 @@
               <a:t>(</a:t>
             </a:r>
             <a:r>
-              <a:rPr lang="en-US" b="1" i="1">
+              <a:rPr lang="en-US" b="1" i="1" dirty="0">
                 <a:solidFill>
                   <a:srgbClr val="000000"/>
                 </a:solidFill>
@@ -35430,7 +35921,7 @@
               <a:t>index, value</a:t>
             </a:r>
             <a:r>
-              <a:rPr lang="en-US" b="1">
+              <a:rPr lang="en-US" b="1" dirty="0">
                 <a:solidFill>
                   <a:srgbClr val="000000"/>
                 </a:solidFill>
@@ -35595,68 +36086,158 @@
           <a:lstStyle/>
           <a:p>
             <a:r>
-              <a:rPr lang="en-US" b="1">
+              <a:rPr lang="en-US" b="1" dirty="0" err="1">
                 <a:solidFill>
                   <a:schemeClr val="bg2"/>
                 </a:solidFill>
                 <a:latin typeface="Courier New" pitchFamily="49" charset="0"/>
               </a:rPr>
-              <a:t>PreparedStatement pstmt =</a:t>
-            </a:r>
-          </a:p>
-          <a:p>
-            <a:r>
-              <a:rPr lang="en-US" b="1">
+              <a:t>PreparedStatement</a:t>
+            </a:r>
+            <a:r>
+              <a:rPr lang="en-US" b="1" dirty="0">
                 <a:solidFill>
                   <a:schemeClr val="bg2"/>
                 </a:solidFill>
                 <a:latin typeface="Courier New" pitchFamily="49" charset="0"/>
               </a:rPr>
-              <a:t>  conn.prepareStatement("update ACME_RENTALS</a:t>
-            </a:r>
-          </a:p>
-          <a:p>
-            <a:r>
-              <a:rPr lang="en-US" b="1">
+              <a:t> </a:t>
+            </a:r>
+            <a:r>
+              <a:rPr lang="en-US" b="1" dirty="0" err="1">
                 <a:solidFill>
                   <a:schemeClr val="bg2"/>
                 </a:solidFill>
                 <a:latin typeface="Courier New" pitchFamily="49" charset="0"/>
               </a:rPr>
-              <a:t>  set STATUS = ? where RENTAL_ID = ?");</a:t>
-            </a:r>
-          </a:p>
-          <a:p>
-            <a:r>
-              <a:rPr lang="en-US" b="1">
+              <a:t>pstmt</a:t>
+            </a:r>
+            <a:r>
+              <a:rPr lang="en-US" b="1" dirty="0">
                 <a:solidFill>
                   <a:schemeClr val="bg2"/>
                 </a:solidFill>
                 <a:latin typeface="Courier New" pitchFamily="49" charset="0"/>
               </a:rPr>
-              <a:t>pstmt.setString(1, "OUT");</a:t>
-            </a:r>
-          </a:p>
-          <a:p>
-            <a:r>
-              <a:rPr lang="en-US" b="1">
+              <a:t> =</a:t>
+            </a:r>
+          </a:p>
+          <a:p>
+            <a:r>
+              <a:rPr lang="en-US" b="1" dirty="0">
                 <a:solidFill>
                   <a:schemeClr val="bg2"/>
                 </a:solidFill>
                 <a:latin typeface="Courier New" pitchFamily="49" charset="0"/>
               </a:rPr>
-              <a:t>pstmt.setInt(2, rentalid);</a:t>
-            </a:r>
-          </a:p>
-          <a:p>
-            <a:r>
-              <a:rPr lang="en-US" b="1">
+              <a:t>  </a:t>
+            </a:r>
+            <a:r>
+              <a:rPr lang="en-US" b="1" dirty="0" err="1">
                 <a:solidFill>
                   <a:schemeClr val="bg2"/>
                 </a:solidFill>
                 <a:latin typeface="Courier New" pitchFamily="49" charset="0"/>
               </a:rPr>
-              <a:t>pstmt.executeUpdate();</a:t>
+              <a:t>conn.prepareStatement</a:t>
+            </a:r>
+            <a:r>
+              <a:rPr lang="en-US" b="1" dirty="0">
+                <a:solidFill>
+                  <a:schemeClr val="bg2"/>
+                </a:solidFill>
+                <a:latin typeface="Courier New" pitchFamily="49" charset="0"/>
+              </a:rPr>
+              <a:t>("update ACME_RENTALS</a:t>
+            </a:r>
+          </a:p>
+          <a:p>
+            <a:r>
+              <a:rPr lang="en-US" b="1" dirty="0">
+                <a:solidFill>
+                  <a:schemeClr val="bg2"/>
+                </a:solidFill>
+                <a:latin typeface="Courier New" pitchFamily="49" charset="0"/>
+              </a:rPr>
+              <a:t>  set STATUS = ? where RENTAL_ID = ?");</a:t>
+            </a:r>
+          </a:p>
+          <a:p>
+            <a:r>
+              <a:rPr lang="en-US" b="1" dirty="0" err="1">
+                <a:solidFill>
+                  <a:schemeClr val="bg2"/>
+                </a:solidFill>
+                <a:latin typeface="Courier New" pitchFamily="49" charset="0"/>
+              </a:rPr>
+              <a:t>pstmt.setString</a:t>
+            </a:r>
+            <a:r>
+              <a:rPr lang="en-US" b="1" dirty="0">
+                <a:solidFill>
+                  <a:schemeClr val="bg2"/>
+                </a:solidFill>
+                <a:latin typeface="Courier New" pitchFamily="49" charset="0"/>
+              </a:rPr>
+              <a:t>(1, "OUT");</a:t>
+            </a:r>
+          </a:p>
+          <a:p>
+            <a:r>
+              <a:rPr lang="en-US" b="1" dirty="0" err="1">
+                <a:solidFill>
+                  <a:schemeClr val="bg2"/>
+                </a:solidFill>
+                <a:latin typeface="Courier New" pitchFamily="49" charset="0"/>
+              </a:rPr>
+              <a:t>pstmt.setInt</a:t>
+            </a:r>
+            <a:r>
+              <a:rPr lang="en-US" b="1" dirty="0">
+                <a:solidFill>
+                  <a:schemeClr val="bg2"/>
+                </a:solidFill>
+                <a:latin typeface="Courier New" pitchFamily="49" charset="0"/>
+              </a:rPr>
+              <a:t>(2, </a:t>
+            </a:r>
+            <a:r>
+              <a:rPr lang="en-US" b="1" dirty="0" err="1">
+                <a:solidFill>
+                  <a:schemeClr val="bg2"/>
+                </a:solidFill>
+                <a:latin typeface="Courier New" pitchFamily="49" charset="0"/>
+              </a:rPr>
+              <a:t>rentalid</a:t>
+            </a:r>
+            <a:r>
+              <a:rPr lang="en-US" b="1" dirty="0">
+                <a:solidFill>
+                  <a:schemeClr val="bg2"/>
+                </a:solidFill>
+                <a:latin typeface="Courier New" pitchFamily="49" charset="0"/>
+              </a:rPr>
+              <a:t>);</a:t>
+            </a:r>
+          </a:p>
+          <a:p>
+            <a:r>
+              <a:rPr lang="en-US" b="1" dirty="0" err="1">
+                <a:solidFill>
+                  <a:schemeClr val="bg2"/>
+                </a:solidFill>
+                <a:latin typeface="Courier New" pitchFamily="49" charset="0"/>
+              </a:rPr>
+              <a:t>pstmt.executeUpdate</a:t>
+            </a:r>
+            <a:r>
+              <a:rPr lang="en-US" b="1" dirty="0">
+                <a:solidFill>
+                  <a:schemeClr val="bg2"/>
+                </a:solidFill>
+                <a:latin typeface="Courier New" pitchFamily="49" charset="0"/>
+              </a:rPr>
+              <a:t>();</a:t>
             </a:r>
           </a:p>
         </p:txBody>
@@ -35898,23 +36479,23 @@
           <a:lstStyle/>
           <a:p>
             <a:r>
-              <a:rPr lang="en-US" smtClean="0"/>
+              <a:rPr lang="en-US" dirty="0" smtClean="0"/>
               <a:t>Register the driver and create the database connection.</a:t>
             </a:r>
           </a:p>
           <a:p>
             <a:r>
-              <a:rPr lang="en-US" smtClean="0"/>
+              <a:rPr lang="en-US" dirty="0" smtClean="0"/>
               <a:t>Create the callable statement, identifying variables with a question mark (</a:t>
             </a:r>
             <a:r>
-              <a:rPr lang="en-US" smtClean="0">
+              <a:rPr lang="en-US" dirty="0" smtClean="0">
                 <a:latin typeface="Courier New" pitchFamily="49" charset="0"/>
               </a:rPr>
               <a:t>?</a:t>
             </a:r>
             <a:r>
-              <a:rPr lang="en-US" smtClean="0"/>
+              <a:rPr lang="en-US" dirty="0" smtClean="0"/>
               <a:t>).</a:t>
             </a:r>
           </a:p>
@@ -35953,68 +36534,149 @@
           <a:lstStyle/>
           <a:p>
             <a:r>
-              <a:rPr lang="en-US" b="1">
+              <a:rPr lang="en-US" b="1" dirty="0" err="1">
                 <a:solidFill>
                   <a:schemeClr val="bg2"/>
                 </a:solidFill>
                 <a:latin typeface="Courier New" pitchFamily="49" charset="0"/>
               </a:rPr>
-              <a:t>CallableStatement cstmt = </a:t>
-            </a:r>
-          </a:p>
-          <a:p>
-            <a:r>
-              <a:rPr lang="en-US" b="1">
+              <a:t>CallableStatement</a:t>
+            </a:r>
+            <a:r>
+              <a:rPr lang="en-US" b="1" dirty="0">
                 <a:solidFill>
                   <a:schemeClr val="bg2"/>
                 </a:solidFill>
                 <a:latin typeface="Courier New" pitchFamily="49" charset="0"/>
               </a:rPr>
-              <a:t>   conn.prepareCall("{call " +</a:t>
-            </a:r>
-          </a:p>
-          <a:p>
-            <a:r>
-              <a:rPr lang="en-US" b="1">
+              <a:t> </a:t>
+            </a:r>
+            <a:r>
+              <a:rPr lang="en-US" b="1" dirty="0" err="1">
                 <a:solidFill>
                   <a:schemeClr val="bg2"/>
                 </a:solidFill>
                 <a:latin typeface="Courier New" pitchFamily="49" charset="0"/>
               </a:rPr>
-              <a:t>   ADDITEM + </a:t>
-            </a:r>
-          </a:p>
-          <a:p>
-            <a:r>
-              <a:rPr lang="en-US" b="1">
+              <a:t>cstmt</a:t>
+            </a:r>
+            <a:r>
+              <a:rPr lang="en-US" b="1" dirty="0">
                 <a:solidFill>
                   <a:schemeClr val="bg2"/>
                 </a:solidFill>
                 <a:latin typeface="Courier New" pitchFamily="49" charset="0"/>
               </a:rPr>
-              <a:t>   "(?,?,?)}");</a:t>
-            </a:r>
-          </a:p>
-          <a:p>
-            <a:r>
-              <a:rPr lang="en-US" b="1">
+              <a:t> = </a:t>
+            </a:r>
+          </a:p>
+          <a:p>
+            <a:r>
+              <a:rPr lang="en-US" b="1" dirty="0">
                 <a:solidFill>
                   <a:schemeClr val="bg2"/>
                 </a:solidFill>
                 <a:latin typeface="Courier New" pitchFamily="49" charset="0"/>
               </a:rPr>
-              <a:t>  cstmt.registerOutParameter(2,Types.INTEGER);</a:t>
-            </a:r>
-          </a:p>
-          <a:p>
-            <a:r>
-              <a:rPr lang="en-US" b="1">
+              <a:t>   </a:t>
+            </a:r>
+            <a:r>
+              <a:rPr lang="en-US" b="1" dirty="0" err="1">
                 <a:solidFill>
                   <a:schemeClr val="bg2"/>
                 </a:solidFill>
                 <a:latin typeface="Courier New" pitchFamily="49" charset="0"/>
               </a:rPr>
-              <a:t>  cStmt.registerOutParameter(3,Types.DOUBLE);</a:t>
+              <a:t>conn.prepareCall</a:t>
+            </a:r>
+            <a:r>
+              <a:rPr lang="en-US" b="1" dirty="0">
+                <a:solidFill>
+                  <a:schemeClr val="bg2"/>
+                </a:solidFill>
+                <a:latin typeface="Courier New" pitchFamily="49" charset="0"/>
+              </a:rPr>
+              <a:t>("{call " +</a:t>
+            </a:r>
+          </a:p>
+          <a:p>
+            <a:r>
+              <a:rPr lang="en-US" b="1" dirty="0">
+                <a:solidFill>
+                  <a:schemeClr val="bg2"/>
+                </a:solidFill>
+                <a:latin typeface="Courier New" pitchFamily="49" charset="0"/>
+              </a:rPr>
+              <a:t>   ADDITEM + </a:t>
+            </a:r>
+          </a:p>
+          <a:p>
+            <a:r>
+              <a:rPr lang="en-US" b="1" dirty="0">
+                <a:solidFill>
+                  <a:schemeClr val="bg2"/>
+                </a:solidFill>
+                <a:latin typeface="Courier New" pitchFamily="49" charset="0"/>
+              </a:rPr>
+              <a:t>   "(?,?,?)}");</a:t>
+            </a:r>
+          </a:p>
+          <a:p>
+            <a:r>
+              <a:rPr lang="en-US" b="1" dirty="0">
+                <a:solidFill>
+                  <a:schemeClr val="bg2"/>
+                </a:solidFill>
+                <a:latin typeface="Courier New" pitchFamily="49" charset="0"/>
+              </a:rPr>
+              <a:t>  </a:t>
+            </a:r>
+            <a:r>
+              <a:rPr lang="en-US" b="1" dirty="0" err="1">
+                <a:solidFill>
+                  <a:schemeClr val="bg2"/>
+                </a:solidFill>
+                <a:latin typeface="Courier New" pitchFamily="49" charset="0"/>
+              </a:rPr>
+              <a:t>cstmt.registerOutParameter</a:t>
+            </a:r>
+            <a:r>
+              <a:rPr lang="en-US" b="1" dirty="0">
+                <a:solidFill>
+                  <a:schemeClr val="bg2"/>
+                </a:solidFill>
+                <a:latin typeface="Courier New" pitchFamily="49" charset="0"/>
+              </a:rPr>
+              <a:t>(2,Types.INTEGER);</a:t>
+            </a:r>
+          </a:p>
+          <a:p>
+            <a:r>
+              <a:rPr lang="en-US" b="1" dirty="0">
+                <a:solidFill>
+                  <a:schemeClr val="bg2"/>
+                </a:solidFill>
+                <a:latin typeface="Courier New" pitchFamily="49" charset="0"/>
+              </a:rPr>
+              <a:t>  </a:t>
+            </a:r>
+            <a:r>
+              <a:rPr lang="en-US" b="1" dirty="0" err="1">
+                <a:solidFill>
+                  <a:schemeClr val="bg2"/>
+                </a:solidFill>
+                <a:latin typeface="Courier New" pitchFamily="49" charset="0"/>
+              </a:rPr>
+              <a:t>cStmt.registerOutParameter</a:t>
+            </a:r>
+            <a:r>
+              <a:rPr lang="en-US" b="1" dirty="0">
+                <a:solidFill>
+                  <a:schemeClr val="bg2"/>
+                </a:solidFill>
+                <a:latin typeface="Courier New" pitchFamily="49" charset="0"/>
+              </a:rPr>
+              <a:t>(3,Types.DOUBLE);</a:t>
             </a:r>
           </a:p>
         </p:txBody>
@@ -36097,7 +36759,7 @@
               <a:buNone/>
             </a:pPr>
             <a:r>
-              <a:rPr lang="en-US" smtClean="0"/>
+              <a:rPr lang="en-US" dirty="0" smtClean="0"/>
               <a:t>1. 	Set the input parameters.</a:t>
             </a:r>
           </a:p>
@@ -36110,7 +36772,7 @@
               <a:buNone/>
             </a:pPr>
             <a:r>
-              <a:rPr lang="en-US" smtClean="0"/>
+              <a:rPr lang="en-US" dirty="0" smtClean="0"/>
               <a:t>2. 	Execute the statement.</a:t>
             </a:r>
           </a:p>
@@ -36123,7 +36785,7 @@
               <a:buNone/>
             </a:pPr>
             <a:r>
-              <a:rPr lang="en-US" smtClean="0"/>
+              <a:rPr lang="en-US" dirty="0" smtClean="0"/>
               <a:t>3. 	Get the output parameters.</a:t>
             </a:r>
           </a:p>
@@ -36169,7 +36831,7 @@
               </a:lnSpc>
             </a:pPr>
             <a:r>
-              <a:rPr lang="en-US" b="1" i="1">
+              <a:rPr lang="en-US" b="1" i="1" dirty="0" err="1">
                 <a:solidFill>
                   <a:srgbClr val="000000"/>
                 </a:solidFill>
@@ -36178,7 +36840,7 @@
               <a:t>cstmt</a:t>
             </a:r>
             <a:r>
-              <a:rPr lang="en-US" b="1">
+              <a:rPr lang="en-US" b="1" dirty="0" err="1">
                 <a:solidFill>
                   <a:srgbClr val="000000"/>
                 </a:solidFill>
@@ -36187,7 +36849,7 @@
               <a:t>.set</a:t>
             </a:r>
             <a:r>
-              <a:rPr lang="en-US" b="1" i="1">
+              <a:rPr lang="en-US" b="1" i="1" dirty="0" err="1">
                 <a:solidFill>
                   <a:srgbClr val="000000"/>
                 </a:solidFill>
@@ -36196,7 +36858,7 @@
               <a:t>XXX</a:t>
             </a:r>
             <a:r>
-              <a:rPr lang="en-US" b="1">
+              <a:rPr lang="en-US" b="1" dirty="0">
                 <a:solidFill>
                   <a:srgbClr val="000000"/>
                 </a:solidFill>
@@ -36205,7 +36867,7 @@
               <a:t>(</a:t>
             </a:r>
             <a:r>
-              <a:rPr lang="en-US" b="1" i="1">
+              <a:rPr lang="en-US" b="1" i="1" dirty="0">
                 <a:solidFill>
                   <a:srgbClr val="000000"/>
                 </a:solidFill>
@@ -36214,7 +36876,7 @@
               <a:t>index, value</a:t>
             </a:r>
             <a:r>
-              <a:rPr lang="en-US" b="1">
+              <a:rPr lang="en-US" b="1" dirty="0">
                 <a:solidFill>
                   <a:srgbClr val="000000"/>
                 </a:solidFill>
@@ -36265,7 +36927,7 @@
               </a:lnSpc>
             </a:pPr>
             <a:r>
-              <a:rPr lang="en-US" b="1" i="1">
+              <a:rPr lang="en-US" b="1" i="1" dirty="0" err="1">
                 <a:solidFill>
                   <a:srgbClr val="000000"/>
                 </a:solidFill>
@@ -36274,25 +36936,34 @@
               <a:t>cstmt</a:t>
             </a:r>
             <a:r>
-              <a:rPr lang="en-US" b="1">
+              <a:rPr lang="en-US" b="1" dirty="0" err="1">
                 <a:solidFill>
                   <a:srgbClr val="000000"/>
                 </a:solidFill>
                 <a:latin typeface="Courier New" pitchFamily="49" charset="0"/>
               </a:rPr>
-              <a:t>.execute(</a:t>
-            </a:r>
-            <a:r>
-              <a:rPr lang="en-US" b="1" i="1">
+              <a:t>.execute</a:t>
+            </a:r>
+            <a:r>
+              <a:rPr lang="en-US" b="1" dirty="0">
                 <a:solidFill>
                   <a:srgbClr val="000000"/>
                 </a:solidFill>
                 <a:latin typeface="Courier New" pitchFamily="49" charset="0"/>
               </a:rPr>
+              <a:t>(</a:t>
+            </a:r>
+            <a:r>
+              <a:rPr lang="en-US" b="1" i="1" dirty="0">
+                <a:solidFill>
+                  <a:srgbClr val="000000"/>
+                </a:solidFill>
+                <a:latin typeface="Courier New" pitchFamily="49" charset="0"/>
+              </a:rPr>
               <a:t>statement</a:t>
             </a:r>
             <a:r>
-              <a:rPr lang="en-US" b="1">
+              <a:rPr lang="en-US" b="1" dirty="0">
                 <a:solidFill>
                   <a:srgbClr val="000000"/>
                 </a:solidFill>
@@ -36343,52 +37014,70 @@
               </a:lnSpc>
             </a:pPr>
             <a:r>
-              <a:rPr lang="en-US" b="1" i="1">
+              <a:rPr lang="en-US" b="1" i="1" dirty="0" err="1">
                 <a:solidFill>
                   <a:srgbClr val="000000"/>
                 </a:solidFill>
                 <a:latin typeface="Courier New" pitchFamily="49" charset="0"/>
               </a:rPr>
-              <a:t>var = cstmt</a:t>
-            </a:r>
-            <a:r>
-              <a:rPr lang="en-US" b="1">
+              <a:t>var</a:t>
+            </a:r>
+            <a:r>
+              <a:rPr lang="en-US" b="1" i="1" dirty="0">
                 <a:solidFill>
                   <a:srgbClr val="000000"/>
                 </a:solidFill>
                 <a:latin typeface="Courier New" pitchFamily="49" charset="0"/>
               </a:rPr>
-              <a:t>.</a:t>
-            </a:r>
-            <a:r>
-              <a:rPr lang="en-US" b="1" i="1">
+              <a:t> = </a:t>
+            </a:r>
+            <a:r>
+              <a:rPr lang="en-US" b="1" i="1" dirty="0" err="1">
                 <a:solidFill>
                   <a:srgbClr val="000000"/>
                 </a:solidFill>
                 <a:latin typeface="Courier New" pitchFamily="49" charset="0"/>
               </a:rPr>
-              <a:t>getXXX</a:t>
-            </a:r>
-            <a:r>
-              <a:rPr lang="en-US" b="1">
+              <a:t>cstmt</a:t>
+            </a:r>
+            <a:r>
+              <a:rPr lang="en-US" b="1" dirty="0" err="1">
                 <a:solidFill>
                   <a:srgbClr val="000000"/>
                 </a:solidFill>
                 <a:latin typeface="Courier New" pitchFamily="49" charset="0"/>
               </a:rPr>
-              <a:t>(</a:t>
-            </a:r>
-            <a:r>
-              <a:rPr lang="en-US" b="1" i="1">
+              <a:t>.</a:t>
+            </a:r>
+            <a:r>
+              <a:rPr lang="en-US" b="1" i="1" dirty="0" err="1">
                 <a:solidFill>
                   <a:srgbClr val="000000"/>
                 </a:solidFill>
                 <a:latin typeface="Courier New" pitchFamily="49" charset="0"/>
               </a:rPr>
+              <a:t>getXXX</a:t>
+            </a:r>
+            <a:r>
+              <a:rPr lang="en-US" b="1" dirty="0">
+                <a:solidFill>
+                  <a:srgbClr val="000000"/>
+                </a:solidFill>
+                <a:latin typeface="Courier New" pitchFamily="49" charset="0"/>
+              </a:rPr>
+              <a:t>(</a:t>
+            </a:r>
+            <a:r>
+              <a:rPr lang="en-US" b="1" i="1" dirty="0">
+                <a:solidFill>
+                  <a:srgbClr val="000000"/>
+                </a:solidFill>
+                <a:latin typeface="Courier New" pitchFamily="49" charset="0"/>
+              </a:rPr>
               <a:t>index</a:t>
             </a:r>
             <a:r>
-              <a:rPr lang="en-US" b="1">
+              <a:rPr lang="en-US" b="1" dirty="0">
                 <a:solidFill>
                   <a:srgbClr val="000000"/>
                 </a:solidFill>
@@ -38363,9 +39052,82 @@
         </p:xfrm>
         <a:graphic>
           <a:graphicData uri="http://schemas.openxmlformats.org/presentationml/2006/ole">
-            <p:oleObj spid="_x0000_s1026" name="Bitmap Image" r:id="rId4" imgW="1390844" imgH="2467319" progId="PBrush">
-              <p:embed/>
-            </p:oleObj>
+            <mc:AlternateContent xmlns:mc="http://schemas.openxmlformats.org/markup-compatibility/2006">
+              <mc:Choice xmlns:v="urn:schemas-microsoft-com:vml" Requires="v">
+                <p:oleObj spid="_x0000_s1028" name="Bitmap Image" r:id="rId4" imgW="1390844" imgH="2467319" progId="PBrush">
+                  <p:embed/>
+                </p:oleObj>
+              </mc:Choice>
+              <mc:Fallback>
+                <p:oleObj name="Bitmap Image" r:id="rId4" imgW="1390844" imgH="2467319" progId="PBrush">
+                  <p:embed/>
+                  <p:pic>
+                    <p:nvPicPr>
+                      <p:cNvPr id="0" name="Object 2"/>
+                      <p:cNvPicPr>
+                        <a:picLocks noChangeAspect="1" noChangeArrowheads="1"/>
+                      </p:cNvPicPr>
+                      <p:nvPr/>
+                    </p:nvPicPr>
+                    <p:blipFill>
+                      <a:blip r:embed="rId5">
+                        <a:extLst>
+                          <a:ext uri="{28A0092B-C50C-407E-A947-70E740481C1C}">
+                            <a14:useLocalDpi xmlns:a14="http://schemas.microsoft.com/office/drawing/2010/main" val="0"/>
+                          </a:ext>
+                        </a:extLst>
+                      </a:blip>
+                      <a:srcRect/>
+                      <a:stretch>
+                        <a:fillRect/>
+                      </a:stretch>
+                    </p:blipFill>
+                    <p:spPr bwMode="auto">
+                      <a:xfrm>
+                        <a:off x="1066800" y="1447800"/>
+                        <a:ext cx="3143250" cy="4648200"/>
+                      </a:xfrm>
+                      <a:prstGeom prst="rect">
+                        <a:avLst/>
+                      </a:prstGeom>
+                      <a:noFill/>
+                      <a:ln>
+                        <a:noFill/>
+                      </a:ln>
+                      <a:effectLst/>
+                      <a:extLst>
+                        <a:ext uri="{909E8E84-426E-40DD-AFC4-6F175D3DCCD1}">
+                          <a14:hiddenFill xmlns:a14="http://schemas.microsoft.com/office/drawing/2010/main">
+                            <a:solidFill>
+                              <a:schemeClr val="accent1"/>
+                            </a:solidFill>
+                          </a14:hiddenFill>
+                        </a:ext>
+                        <a:ext uri="{91240B29-F687-4F45-9708-019B960494DF}">
+                          <a14:hiddenLine xmlns:a14="http://schemas.microsoft.com/office/drawing/2010/main" w="9525">
+                            <a:solidFill>
+                              <a:schemeClr val="tx1"/>
+                            </a:solidFill>
+                            <a:miter lim="800000"/>
+                            <a:headEnd/>
+                            <a:tailEnd/>
+                          </a14:hiddenLine>
+                        </a:ext>
+                        <a:ext uri="{AF507438-7753-43E0-B8FC-AC1667EBCBE1}">
+                          <a14:hiddenEffects xmlns:a14="http://schemas.microsoft.com/office/drawing/2010/main">
+                            <a:effectLst>
+                              <a:outerShdw dist="53882" dir="2700000" algn="ctr" rotWithShape="0">
+                                <a:schemeClr val="bg2"/>
+                              </a:outerShdw>
+                            </a:effectLst>
+                          </a14:hiddenEffects>
+                        </a:ext>
+                      </a:extLst>
+                    </p:spPr>
+                  </p:pic>
+                </p:oleObj>
+              </mc:Fallback>
+            </mc:AlternateContent>
           </a:graphicData>
         </a:graphic>
       </p:graphicFrame>
@@ -49527,7 +50289,7 @@
         <p:nvGraphicFramePr>
           <p:cNvPr id="2050" name="Object 2"/>
           <p:cNvGraphicFramePr>
-            <a:graphicFrameLocks noChangeAspect="1"/>
+            <a:graphicFrameLocks noGrp="1" noChangeAspect="1"/>
           </p:cNvGraphicFramePr>
           <p:nvPr>
             <p:ph idx="1"/>
@@ -49539,9 +50301,60 @@
         </p:xfrm>
         <a:graphic>
           <a:graphicData uri="http://schemas.openxmlformats.org/presentationml/2006/ole">
-            <p:oleObj spid="_x0000_s2050" name="Bitmap Image" r:id="rId4" imgW="1390844" imgH="2857899" progId="PBrush">
-              <p:embed/>
-            </p:oleObj>
+            <mc:AlternateContent xmlns:mc="http://schemas.openxmlformats.org/markup-compatibility/2006">
+              <mc:Choice xmlns:v="urn:schemas-microsoft-com:vml" Requires="v">
+                <p:oleObj spid="_x0000_s2052" name="Bitmap Image" r:id="rId4" imgW="1390844" imgH="2857899" progId="PBrush">
+                  <p:embed/>
+                </p:oleObj>
+              </mc:Choice>
+              <mc:Fallback>
+                <p:oleObj name="Bitmap Image" r:id="rId4" imgW="1390844" imgH="2857899" progId="PBrush">
+                  <p:embed/>
+                  <p:pic>
+                    <p:nvPicPr>
+                      <p:cNvPr id="0" name="Object 2"/>
+                      <p:cNvPicPr>
+                        <a:picLocks noChangeAspect="1" noChangeArrowheads="1"/>
+                      </p:cNvPicPr>
+                      <p:nvPr/>
+                    </p:nvPicPr>
+                    <p:blipFill>
+                      <a:blip r:embed="rId5">
+                        <a:lum contrast="40000"/>
+                        <a:extLst>
+                          <a:ext uri="{28A0092B-C50C-407E-A947-70E740481C1C}">
+                            <a14:useLocalDpi xmlns:a14="http://schemas.microsoft.com/office/drawing/2010/main" val="0"/>
+                          </a:ext>
+                        </a:extLst>
+                      </a:blip>
+                      <a:srcRect/>
+                      <a:stretch>
+                        <a:fillRect/>
+                      </a:stretch>
+                    </p:blipFill>
+                    <p:spPr bwMode="auto">
+                      <a:xfrm>
+                        <a:off x="3876675" y="2671763"/>
+                        <a:ext cx="1390650" cy="2857500"/>
+                      </a:xfrm>
+                      <a:prstGeom prst="rect">
+                        <a:avLst/>
+                      </a:prstGeom>
+                      <a:noFill/>
+                      <a:extLst>
+                        <a:ext uri="{909E8E84-426E-40DD-AFC4-6F175D3DCCD1}">
+                          <a14:hiddenFill xmlns:a14="http://schemas.microsoft.com/office/drawing/2010/main">
+                            <a:solidFill>
+                              <a:srgbClr val="FFFFFF"/>
+                            </a:solidFill>
+                          </a14:hiddenFill>
+                        </a:ext>
+                      </a:extLst>
+                    </p:spPr>
+                  </p:pic>
+                </p:oleObj>
+              </mc:Fallback>
+            </mc:AlternateContent>
           </a:graphicData>
         </a:graphic>
       </p:graphicFrame>
@@ -49656,7 +50469,7 @@
         <p:nvGraphicFramePr>
           <p:cNvPr id="3074" name="Object 2"/>
           <p:cNvGraphicFramePr>
-            <a:graphicFrameLocks noChangeAspect="1"/>
+            <a:graphicFrameLocks noGrp="1" noChangeAspect="1"/>
           </p:cNvGraphicFramePr>
           <p:nvPr>
             <p:ph idx="1"/>
@@ -49668,9 +50481,82 @@
         </p:xfrm>
         <a:graphic>
           <a:graphicData uri="http://schemas.openxmlformats.org/presentationml/2006/ole">
-            <p:oleObj spid="_x0000_s3074" name="Document" r:id="rId4" imgW="5506200" imgH="3448080" progId="Word.Document.8">
-              <p:embed/>
-            </p:oleObj>
+            <mc:AlternateContent xmlns:mc="http://schemas.openxmlformats.org/markup-compatibility/2006">
+              <mc:Choice xmlns:v="urn:schemas-microsoft-com:vml" Requires="v">
+                <p:oleObj spid="_x0000_s3076" name="Document" r:id="rId4" imgW="5506200" imgH="3448080" progId="Word.Document.8">
+                  <p:embed/>
+                </p:oleObj>
+              </mc:Choice>
+              <mc:Fallback>
+                <p:oleObj name="Document" r:id="rId4" imgW="5506200" imgH="3448080" progId="Word.Document.8">
+                  <p:embed/>
+                  <p:pic>
+                    <p:nvPicPr>
+                      <p:cNvPr id="0" name="Object 2"/>
+                      <p:cNvPicPr>
+                        <a:picLocks noChangeAspect="1" noChangeArrowheads="1"/>
+                      </p:cNvPicPr>
+                      <p:nvPr/>
+                    </p:nvPicPr>
+                    <p:blipFill>
+                      <a:blip r:embed="rId5">
+                        <a:extLst>
+                          <a:ext uri="{28A0092B-C50C-407E-A947-70E740481C1C}">
+                            <a14:useLocalDpi xmlns:a14="http://schemas.microsoft.com/office/drawing/2010/main" val="0"/>
+                          </a:ext>
+                        </a:extLst>
+                      </a:blip>
+                      <a:srcRect/>
+                      <a:stretch>
+                        <a:fillRect/>
+                      </a:stretch>
+                    </p:blipFill>
+                    <p:spPr bwMode="auto">
+                      <a:xfrm>
+                        <a:off x="1819275" y="2376488"/>
+                        <a:ext cx="5505450" cy="3448050"/>
+                      </a:xfrm>
+                      <a:prstGeom prst="rect">
+                        <a:avLst/>
+                      </a:prstGeom>
+                      <a:noFill/>
+                      <a:ln>
+                        <a:noFill/>
+                      </a:ln>
+                      <a:effectLst/>
+                      <a:extLst>
+                        <a:ext uri="{909E8E84-426E-40DD-AFC4-6F175D3DCCD1}">
+                          <a14:hiddenFill xmlns:a14="http://schemas.microsoft.com/office/drawing/2010/main">
+                            <a:solidFill>
+                              <a:schemeClr val="accent1"/>
+                            </a:solidFill>
+                          </a14:hiddenFill>
+                        </a:ext>
+                        <a:ext uri="{91240B29-F687-4F45-9708-019B960494DF}">
+                          <a14:hiddenLine xmlns:a14="http://schemas.microsoft.com/office/drawing/2010/main" w="9525">
+                            <a:solidFill>
+                              <a:schemeClr val="tx1"/>
+                            </a:solidFill>
+                            <a:miter lim="800000"/>
+                            <a:headEnd/>
+                            <a:tailEnd/>
+                          </a14:hiddenLine>
+                        </a:ext>
+                        <a:ext uri="{AF507438-7753-43E0-B8FC-AC1667EBCBE1}">
+                          <a14:hiddenEffects xmlns:a14="http://schemas.microsoft.com/office/drawing/2010/main">
+                            <a:effectLst>
+                              <a:outerShdw dist="35921" dir="2700000" algn="ctr" rotWithShape="0">
+                                <a:schemeClr val="bg2"/>
+                              </a:outerShdw>
+                            </a:effectLst>
+                          </a14:hiddenEffects>
+                        </a:ext>
+                      </a:extLst>
+                    </p:spPr>
+                  </p:pic>
+                </p:oleObj>
+              </mc:Fallback>
+            </mc:AlternateContent>
           </a:graphicData>
         </a:graphic>
       </p:graphicFrame>
@@ -49761,9 +50647,82 @@
         </p:xfrm>
         <a:graphic>
           <a:graphicData uri="http://schemas.openxmlformats.org/presentationml/2006/ole">
-            <p:oleObj spid="_x0000_s4098" name="Document" r:id="rId4" imgW="5702760" imgH="3111840" progId="Word.Document.8">
-              <p:embed/>
-            </p:oleObj>
+            <mc:AlternateContent xmlns:mc="http://schemas.openxmlformats.org/markup-compatibility/2006">
+              <mc:Choice xmlns:v="urn:schemas-microsoft-com:vml" Requires="v">
+                <p:oleObj spid="_x0000_s4100" name="Document" r:id="rId4" imgW="5702760" imgH="3111840" progId="Word.Document.8">
+                  <p:embed/>
+                </p:oleObj>
+              </mc:Choice>
+              <mc:Fallback>
+                <p:oleObj name="Document" r:id="rId4" imgW="5702760" imgH="3111840" progId="Word.Document.8">
+                  <p:embed/>
+                  <p:pic>
+                    <p:nvPicPr>
+                      <p:cNvPr id="0" name="Object 2"/>
+                      <p:cNvPicPr>
+                        <a:picLocks noChangeAspect="1" noChangeArrowheads="1"/>
+                      </p:cNvPicPr>
+                      <p:nvPr/>
+                    </p:nvPicPr>
+                    <p:blipFill>
+                      <a:blip r:embed="rId5">
+                        <a:extLst>
+                          <a:ext uri="{28A0092B-C50C-407E-A947-70E740481C1C}">
+                            <a14:useLocalDpi xmlns:a14="http://schemas.microsoft.com/office/drawing/2010/main" val="0"/>
+                          </a:ext>
+                        </a:extLst>
+                      </a:blip>
+                      <a:srcRect/>
+                      <a:stretch>
+                        <a:fillRect/>
+                      </a:stretch>
+                    </p:blipFill>
+                    <p:spPr bwMode="auto">
+                      <a:xfrm>
+                        <a:off x="685800" y="2438400"/>
+                        <a:ext cx="7620000" cy="3633788"/>
+                      </a:xfrm>
+                      <a:prstGeom prst="rect">
+                        <a:avLst/>
+                      </a:prstGeom>
+                      <a:noFill/>
+                      <a:ln>
+                        <a:noFill/>
+                      </a:ln>
+                      <a:effectLst/>
+                      <a:extLst>
+                        <a:ext uri="{909E8E84-426E-40DD-AFC4-6F175D3DCCD1}">
+                          <a14:hiddenFill xmlns:a14="http://schemas.microsoft.com/office/drawing/2010/main">
+                            <a:solidFill>
+                              <a:schemeClr val="accent1"/>
+                            </a:solidFill>
+                          </a14:hiddenFill>
+                        </a:ext>
+                        <a:ext uri="{91240B29-F687-4F45-9708-019B960494DF}">
+                          <a14:hiddenLine xmlns:a14="http://schemas.microsoft.com/office/drawing/2010/main" w="9525">
+                            <a:solidFill>
+                              <a:schemeClr val="tx1"/>
+                            </a:solidFill>
+                            <a:miter lim="800000"/>
+                            <a:headEnd/>
+                            <a:tailEnd/>
+                          </a14:hiddenLine>
+                        </a:ext>
+                        <a:ext uri="{AF507438-7753-43E0-B8FC-AC1667EBCBE1}">
+                          <a14:hiddenEffects xmlns:a14="http://schemas.microsoft.com/office/drawing/2010/main">
+                            <a:effectLst>
+                              <a:outerShdw dist="35921" dir="2700000" algn="ctr" rotWithShape="0">
+                                <a:schemeClr val="bg2"/>
+                              </a:outerShdw>
+                            </a:effectLst>
+                          </a14:hiddenEffects>
+                        </a:ext>
+                      </a:extLst>
+                    </p:spPr>
+                  </p:pic>
+                </p:oleObj>
+              </mc:Fallback>
+            </mc:AlternateContent>
           </a:graphicData>
         </a:graphic>
       </p:graphicFrame>
